--- a/Reports/Final_Report_Presentation.pptx
+++ b/Reports/Final_Report_Presentation.pptx
@@ -7,17 +7,18 @@
   <p:sldIdLst>
     <p:sldId id="256" r:id="rId2"/>
     <p:sldId id="257" r:id="rId3"/>
-    <p:sldId id="259" r:id="rId4"/>
-    <p:sldId id="271" r:id="rId5"/>
-    <p:sldId id="261" r:id="rId6"/>
-    <p:sldId id="272" r:id="rId7"/>
-    <p:sldId id="274" r:id="rId8"/>
-    <p:sldId id="275" r:id="rId9"/>
-    <p:sldId id="266" r:id="rId10"/>
-    <p:sldId id="276" r:id="rId11"/>
-    <p:sldId id="263" r:id="rId12"/>
-    <p:sldId id="269" r:id="rId13"/>
-    <p:sldId id="270" r:id="rId14"/>
+    <p:sldId id="277" r:id="rId4"/>
+    <p:sldId id="259" r:id="rId5"/>
+    <p:sldId id="271" r:id="rId6"/>
+    <p:sldId id="261" r:id="rId7"/>
+    <p:sldId id="272" r:id="rId8"/>
+    <p:sldId id="274" r:id="rId9"/>
+    <p:sldId id="275" r:id="rId10"/>
+    <p:sldId id="266" r:id="rId11"/>
+    <p:sldId id="276" r:id="rId12"/>
+    <p:sldId id="263" r:id="rId13"/>
+    <p:sldId id="269" r:id="rId14"/>
+    <p:sldId id="270" r:id="rId15"/>
   </p:sldIdLst>
   <p:sldSz cx="12192000" cy="6858000"/>
   <p:notesSz cx="6858000" cy="9144000"/>
@@ -267,7 +268,7 @@
           <a:p>
             <a:fld id="{0257D762-8857-40E1-AFEA-C156516E3664}" type="datetimeFigureOut">
               <a:rPr lang="en-US" smtClean="0"/>
-              <a:t>2/9/2021</a:t>
+              <a:t>2/25/2021</a:t>
             </a:fld>
             <a:endParaRPr lang="en-US"/>
           </a:p>
@@ -437,7 +438,7 @@
           <a:p>
             <a:fld id="{0257D762-8857-40E1-AFEA-C156516E3664}" type="datetimeFigureOut">
               <a:rPr lang="en-US" smtClean="0"/>
-              <a:t>2/9/2021</a:t>
+              <a:t>2/25/2021</a:t>
             </a:fld>
             <a:endParaRPr lang="en-US"/>
           </a:p>
@@ -617,7 +618,7 @@
           <a:p>
             <a:fld id="{0257D762-8857-40E1-AFEA-C156516E3664}" type="datetimeFigureOut">
               <a:rPr lang="en-US" smtClean="0"/>
-              <a:t>2/9/2021</a:t>
+              <a:t>2/25/2021</a:t>
             </a:fld>
             <a:endParaRPr lang="en-US"/>
           </a:p>
@@ -787,7 +788,7 @@
           <a:p>
             <a:fld id="{0257D762-8857-40E1-AFEA-C156516E3664}" type="datetimeFigureOut">
               <a:rPr lang="en-US" smtClean="0"/>
-              <a:t>2/9/2021</a:t>
+              <a:t>2/25/2021</a:t>
             </a:fld>
             <a:endParaRPr lang="en-US"/>
           </a:p>
@@ -1033,7 +1034,7 @@
           <a:p>
             <a:fld id="{0257D762-8857-40E1-AFEA-C156516E3664}" type="datetimeFigureOut">
               <a:rPr lang="en-US" smtClean="0"/>
-              <a:t>2/9/2021</a:t>
+              <a:t>2/25/2021</a:t>
             </a:fld>
             <a:endParaRPr lang="en-US"/>
           </a:p>
@@ -1265,7 +1266,7 @@
           <a:p>
             <a:fld id="{0257D762-8857-40E1-AFEA-C156516E3664}" type="datetimeFigureOut">
               <a:rPr lang="en-US" smtClean="0"/>
-              <a:t>2/9/2021</a:t>
+              <a:t>2/25/2021</a:t>
             </a:fld>
             <a:endParaRPr lang="en-US"/>
           </a:p>
@@ -1632,7 +1633,7 @@
           <a:p>
             <a:fld id="{0257D762-8857-40E1-AFEA-C156516E3664}" type="datetimeFigureOut">
               <a:rPr lang="en-US" smtClean="0"/>
-              <a:t>2/9/2021</a:t>
+              <a:t>2/25/2021</a:t>
             </a:fld>
             <a:endParaRPr lang="en-US"/>
           </a:p>
@@ -1750,7 +1751,7 @@
           <a:p>
             <a:fld id="{0257D762-8857-40E1-AFEA-C156516E3664}" type="datetimeFigureOut">
               <a:rPr lang="en-US" smtClean="0"/>
-              <a:t>2/9/2021</a:t>
+              <a:t>2/25/2021</a:t>
             </a:fld>
             <a:endParaRPr lang="en-US"/>
           </a:p>
@@ -1845,7 +1846,7 @@
           <a:p>
             <a:fld id="{0257D762-8857-40E1-AFEA-C156516E3664}" type="datetimeFigureOut">
               <a:rPr lang="en-US" smtClean="0"/>
-              <a:t>2/9/2021</a:t>
+              <a:t>2/25/2021</a:t>
             </a:fld>
             <a:endParaRPr lang="en-US"/>
           </a:p>
@@ -2122,7 +2123,7 @@
           <a:p>
             <a:fld id="{0257D762-8857-40E1-AFEA-C156516E3664}" type="datetimeFigureOut">
               <a:rPr lang="en-US" smtClean="0"/>
-              <a:t>2/9/2021</a:t>
+              <a:t>2/25/2021</a:t>
             </a:fld>
             <a:endParaRPr lang="en-US"/>
           </a:p>
@@ -2379,7 +2380,7 @@
           <a:p>
             <a:fld id="{0257D762-8857-40E1-AFEA-C156516E3664}" type="datetimeFigureOut">
               <a:rPr lang="en-US" smtClean="0"/>
-              <a:t>2/9/2021</a:t>
+              <a:t>2/25/2021</a:t>
             </a:fld>
             <a:endParaRPr lang="en-US"/>
           </a:p>
@@ -2597,7 +2598,7 @@
           <a:p>
             <a:fld id="{0257D762-8857-40E1-AFEA-C156516E3664}" type="datetimeFigureOut">
               <a:rPr lang="en-US" smtClean="0"/>
-              <a:t>2/9/2021</a:t>
+              <a:t>2/25/2021</a:t>
             </a:fld>
             <a:endParaRPr lang="en-US"/>
           </a:p>
@@ -3104,6 +3105,176 @@
           <p:cNvPr id="2" name="Title 1">
             <a:extLst>
               <a:ext uri="{FF2B5EF4-FFF2-40B4-BE49-F238E27FC236}">
+                <a16:creationId xmlns:a16="http://schemas.microsoft.com/office/drawing/2014/main" id="{55D87428-E29B-450C-BDC5-5173C7DB2934}"/>
+              </a:ext>
+            </a:extLst>
+          </p:cNvPr>
+          <p:cNvSpPr>
+            <a:spLocks noGrp="1"/>
+          </p:cNvSpPr>
+          <p:nvPr>
+            <p:ph type="title"/>
+          </p:nvPr>
+        </p:nvSpPr>
+        <p:spPr/>
+        <p:txBody>
+          <a:bodyPr/>
+          <a:lstStyle/>
+          <a:p>
+            <a:r>
+              <a:rPr lang="en-US" dirty="0"/>
+              <a:t>Model Selection Getting Drafted </a:t>
+            </a:r>
+          </a:p>
+        </p:txBody>
+      </p:sp>
+      <p:sp>
+        <p:nvSpPr>
+          <p:cNvPr id="3" name="Content Placeholder 2">
+            <a:extLst>
+              <a:ext uri="{FF2B5EF4-FFF2-40B4-BE49-F238E27FC236}">
+                <a16:creationId xmlns:a16="http://schemas.microsoft.com/office/drawing/2014/main" id="{3104AFD6-12CE-4F81-B5A9-CE75DDADDF12}"/>
+              </a:ext>
+            </a:extLst>
+          </p:cNvPr>
+          <p:cNvSpPr>
+            <a:spLocks noGrp="1"/>
+          </p:cNvSpPr>
+          <p:nvPr>
+            <p:ph idx="1"/>
+          </p:nvPr>
+        </p:nvSpPr>
+        <p:spPr>
+          <a:xfrm>
+            <a:off x="838200" y="1928495"/>
+            <a:ext cx="10515600" cy="4089400"/>
+          </a:xfrm>
+        </p:spPr>
+        <p:txBody>
+          <a:bodyPr>
+            <a:normAutofit fontScale="92500" lnSpcReduction="10000"/>
+          </a:bodyPr>
+          <a:lstStyle/>
+          <a:p>
+            <a:r>
+              <a:rPr lang="en-US" dirty="0"/>
+              <a:t>The best model to use was Gradient Boosting which produced a score of 0.71.</a:t>
+            </a:r>
+          </a:p>
+          <a:p>
+            <a:r>
+              <a:rPr lang="en-US" dirty="0"/>
+              <a:t>Feature Importance in order:</a:t>
+            </a:r>
+          </a:p>
+          <a:p>
+            <a:pPr lvl="1"/>
+            <a:r>
+              <a:rPr lang="en-US" dirty="0"/>
+              <a:t>Three Cone Drill</a:t>
+            </a:r>
+          </a:p>
+          <a:p>
+            <a:pPr lvl="1"/>
+            <a:r>
+              <a:rPr lang="en-US" dirty="0"/>
+              <a:t>Shuttle Run</a:t>
+            </a:r>
+          </a:p>
+          <a:p>
+            <a:pPr lvl="1"/>
+            <a:r>
+              <a:rPr lang="en-US" dirty="0"/>
+              <a:t>Broad Jump</a:t>
+            </a:r>
+          </a:p>
+          <a:p>
+            <a:pPr lvl="1"/>
+            <a:r>
+              <a:rPr lang="en-US" dirty="0"/>
+              <a:t>Vertical Leap</a:t>
+            </a:r>
+          </a:p>
+          <a:p>
+            <a:pPr lvl="1"/>
+            <a:r>
+              <a:rPr lang="en-US" dirty="0"/>
+              <a:t>Bench Press</a:t>
+            </a:r>
+          </a:p>
+          <a:p>
+            <a:pPr lvl="1"/>
+            <a:r>
+              <a:rPr lang="en-US" dirty="0"/>
+              <a:t>40-yard dash</a:t>
+            </a:r>
+          </a:p>
+          <a:p>
+            <a:pPr lvl="1"/>
+            <a:r>
+              <a:rPr lang="en-US" dirty="0"/>
+              <a:t>Weight </a:t>
+            </a:r>
+          </a:p>
+          <a:p>
+            <a:pPr lvl="1"/>
+            <a:r>
+              <a:rPr lang="en-US" dirty="0"/>
+              <a:t>Height</a:t>
+            </a:r>
+          </a:p>
+          <a:p>
+            <a:pPr lvl="1"/>
+            <a:endParaRPr lang="en-US" dirty="0"/>
+          </a:p>
+          <a:p>
+            <a:pPr lvl="1"/>
+            <a:endParaRPr lang="en-US" dirty="0"/>
+          </a:p>
+          <a:p>
+            <a:pPr lvl="1"/>
+            <a:endParaRPr lang="en-US" dirty="0"/>
+          </a:p>
+          <a:p>
+            <a:endParaRPr lang="en-US" dirty="0"/>
+          </a:p>
+        </p:txBody>
+      </p:sp>
+    </p:spTree>
+    <p:extLst>
+      <p:ext uri="{BB962C8B-B14F-4D97-AF65-F5344CB8AC3E}">
+        <p14:creationId xmlns:p14="http://schemas.microsoft.com/office/powerpoint/2010/main" val="2847954629"/>
+      </p:ext>
+    </p:extLst>
+  </p:cSld>
+  <p:clrMapOvr>
+    <a:masterClrMapping/>
+  </p:clrMapOvr>
+</p:sld>
+</file>
+
+<file path=ppt/slides/slide11.xml><?xml version="1.0" encoding="utf-8"?>
+<p:sld xmlns:a="http://schemas.openxmlformats.org/drawingml/2006/main" xmlns:r="http://schemas.openxmlformats.org/officeDocument/2006/relationships" xmlns:p="http://schemas.openxmlformats.org/presentationml/2006/main">
+  <p:cSld>
+    <p:spTree>
+      <p:nvGrpSpPr>
+        <p:cNvPr id="1" name=""/>
+        <p:cNvGrpSpPr/>
+        <p:nvPr/>
+      </p:nvGrpSpPr>
+      <p:grpSpPr>
+        <a:xfrm>
+          <a:off x="0" y="0"/>
+          <a:ext cx="0" cy="0"/>
+          <a:chOff x="0" y="0"/>
+          <a:chExt cx="0" cy="0"/>
+        </a:xfrm>
+      </p:grpSpPr>
+      <p:sp>
+        <p:nvSpPr>
+          <p:cNvPr id="2" name="Title 1">
+            <a:extLst>
+              <a:ext uri="{FF2B5EF4-FFF2-40B4-BE49-F238E27FC236}">
                 <a16:creationId xmlns:a16="http://schemas.microsoft.com/office/drawing/2014/main" id="{F2298FBC-CF56-47A7-8F4A-6491BD52C169}"/>
               </a:ext>
             </a:extLst>
@@ -3156,13 +3327,13 @@
           <a:p>
             <a:r>
               <a:rPr lang="en-US" dirty="0"/>
-              <a:t>I was shocked to see that the they were the top two most important features</a:t>
-            </a:r>
-          </a:p>
-          <a:p>
-            <a:r>
-              <a:rPr lang="en-US" dirty="0"/>
-              <a:t>And that 40-yard dash, weight, and height were the bottom 3</a:t>
+              <a:t>Shocking to see that the they were the top two most important features</a:t>
+            </a:r>
+          </a:p>
+          <a:p>
+            <a:r>
+              <a:rPr lang="en-US" dirty="0"/>
+              <a:t>Interesting that 40-yard dash, weight, and height were the bottom 3</a:t>
             </a:r>
           </a:p>
           <a:p>
@@ -3183,7 +3354,7 @@
 </p:sld>
 </file>
 
-<file path=ppt/slides/slide11.xml><?xml version="1.0" encoding="utf-8"?>
+<file path=ppt/slides/slide12.xml><?xml version="1.0" encoding="utf-8"?>
 <p:sld xmlns:a="http://schemas.openxmlformats.org/drawingml/2006/main" xmlns:r="http://schemas.openxmlformats.org/officeDocument/2006/relationships" xmlns:p="http://schemas.openxmlformats.org/presentationml/2006/main">
   <p:cSld>
     <p:spTree>
@@ -3422,7 +3593,7 @@
 </p:sld>
 </file>
 
-<file path=ppt/slides/slide12.xml><?xml version="1.0" encoding="utf-8"?>
+<file path=ppt/slides/slide13.xml><?xml version="1.0" encoding="utf-8"?>
 <p:sld xmlns:a="http://schemas.openxmlformats.org/drawingml/2006/main" xmlns:r="http://schemas.openxmlformats.org/officeDocument/2006/relationships" xmlns:p="http://schemas.openxmlformats.org/presentationml/2006/main">
   <p:cSld>
     <p:spTree>
@@ -3551,13 +3722,13 @@
           <a:p>
             <a:r>
               <a:rPr lang="en-US" dirty="0"/>
-              <a:t>The reason weight and height are not that important is because if a player doesn’t have the skill set their weight and height goes to waste</a:t>
-            </a:r>
-          </a:p>
-          <a:p>
-            <a:r>
-              <a:rPr lang="en-US" dirty="0"/>
-              <a:t>The reason 40-yard dash wasn’t as important is because playing defense you need to be quick side to side and not just quick running forward.</a:t>
+              <a:t>Weight and height aren’t as important because if a player doesn’t have the skills their weight and height go to waste</a:t>
+            </a:r>
+          </a:p>
+          <a:p>
+            <a:r>
+              <a:rPr lang="en-US" dirty="0"/>
+              <a:t>40-yard dash wasn’t as important because playing defense you need to be quick side to side and not just quick running forward.</a:t>
             </a:r>
           </a:p>
         </p:txBody>
@@ -3575,7 +3746,7 @@
 </p:sld>
 </file>
 
-<file path=ppt/slides/slide13.xml><?xml version="1.0" encoding="utf-8"?>
+<file path=ppt/slides/slide14.xml><?xml version="1.0" encoding="utf-8"?>
 <p:sld xmlns:a="http://schemas.openxmlformats.org/drawingml/2006/main" xmlns:r="http://schemas.openxmlformats.org/officeDocument/2006/relationships" xmlns:p="http://schemas.openxmlformats.org/presentationml/2006/main">
   <p:cSld>
     <p:spTree>
@@ -3809,7 +3980,7 @@
           <p:cNvPr id="2" name="Title 1">
             <a:extLst>
               <a:ext uri="{FF2B5EF4-FFF2-40B4-BE49-F238E27FC236}">
-                <a16:creationId xmlns:a16="http://schemas.microsoft.com/office/drawing/2014/main" id="{BF77276D-7C76-4E57-B39A-D385818E73DE}"/>
+                <a16:creationId xmlns:a16="http://schemas.microsoft.com/office/drawing/2014/main" id="{53E5BF4E-E9A9-4360-AFC0-A5040E074138}"/>
               </a:ext>
             </a:extLst>
           </p:cNvPr>
@@ -3827,7 +3998,7 @@
           <a:p>
             <a:r>
               <a:rPr lang="en-US" dirty="0"/>
-              <a:t>Data Wrangling</a:t>
+              <a:t>Actions</a:t>
             </a:r>
           </a:p>
         </p:txBody>
@@ -3837,7 +4008,7 @@
           <p:cNvPr id="3" name="Content Placeholder 2">
             <a:extLst>
               <a:ext uri="{FF2B5EF4-FFF2-40B4-BE49-F238E27FC236}">
-                <a16:creationId xmlns:a16="http://schemas.microsoft.com/office/drawing/2014/main" id="{C7BD2D50-3E3C-4B38-BEB4-D6289B066BEA}"/>
+                <a16:creationId xmlns:a16="http://schemas.microsoft.com/office/drawing/2014/main" id="{FD601A2A-6EBE-4679-AC94-187D3DC68313}"/>
               </a:ext>
             </a:extLst>
           </p:cNvPr>
@@ -3855,25 +4026,13 @@
           <a:p>
             <a:r>
               <a:rPr lang="en-US" dirty="0"/>
-              <a:t>I wanted to use only defensive players in the NFL</a:t>
-            </a:r>
-          </a:p>
-          <a:p>
-            <a:r>
-              <a:rPr lang="en-US" dirty="0"/>
-              <a:t>Dropped columns that had offensive stats</a:t>
-            </a:r>
-          </a:p>
-          <a:p>
-            <a:r>
-              <a:rPr lang="en-US" dirty="0"/>
-              <a:t>Filtered out all Offensive and Special Teams Players</a:t>
-            </a:r>
-          </a:p>
-          <a:p>
-            <a:r>
-              <a:rPr lang="en-US" dirty="0"/>
-              <a:t>Filled in blanks with the mean of each combine test</a:t>
+              <a:t>Coaches and GMs should look for defensive players who have good three cone drill and shuttle run times when thinking about who to draft</a:t>
+            </a:r>
+          </a:p>
+          <a:p>
+            <a:r>
+              <a:rPr lang="en-US" dirty="0"/>
+              <a:t>Players should focus on improving their three cone and shuttle run times to improve draft rank .</a:t>
             </a:r>
           </a:p>
         </p:txBody>
@@ -3881,7 +4040,7 @@
     </p:spTree>
     <p:extLst>
       <p:ext uri="{BB962C8B-B14F-4D97-AF65-F5344CB8AC3E}">
-        <p14:creationId xmlns:p14="http://schemas.microsoft.com/office/powerpoint/2010/main" val="2102282544"/>
+        <p14:creationId xmlns:p14="http://schemas.microsoft.com/office/powerpoint/2010/main" val="1786423887"/>
       </p:ext>
     </p:extLst>
   </p:cSld>
@@ -3913,6 +4072,110 @@
           <p:cNvPr id="2" name="Title 1">
             <a:extLst>
               <a:ext uri="{FF2B5EF4-FFF2-40B4-BE49-F238E27FC236}">
+                <a16:creationId xmlns:a16="http://schemas.microsoft.com/office/drawing/2014/main" id="{BF77276D-7C76-4E57-B39A-D385818E73DE}"/>
+              </a:ext>
+            </a:extLst>
+          </p:cNvPr>
+          <p:cNvSpPr>
+            <a:spLocks noGrp="1"/>
+          </p:cNvSpPr>
+          <p:nvPr>
+            <p:ph type="title"/>
+          </p:nvPr>
+        </p:nvSpPr>
+        <p:spPr/>
+        <p:txBody>
+          <a:bodyPr/>
+          <a:lstStyle/>
+          <a:p>
+            <a:r>
+              <a:rPr lang="en-US" dirty="0"/>
+              <a:t>Data Wrangling</a:t>
+            </a:r>
+          </a:p>
+        </p:txBody>
+      </p:sp>
+      <p:sp>
+        <p:nvSpPr>
+          <p:cNvPr id="3" name="Content Placeholder 2">
+            <a:extLst>
+              <a:ext uri="{FF2B5EF4-FFF2-40B4-BE49-F238E27FC236}">
+                <a16:creationId xmlns:a16="http://schemas.microsoft.com/office/drawing/2014/main" id="{C7BD2D50-3E3C-4B38-BEB4-D6289B066BEA}"/>
+              </a:ext>
+            </a:extLst>
+          </p:cNvPr>
+          <p:cNvSpPr>
+            <a:spLocks noGrp="1"/>
+          </p:cNvSpPr>
+          <p:nvPr>
+            <p:ph idx="1"/>
+          </p:nvPr>
+        </p:nvSpPr>
+        <p:spPr/>
+        <p:txBody>
+          <a:bodyPr/>
+          <a:lstStyle/>
+          <a:p>
+            <a:r>
+              <a:rPr lang="en-US" dirty="0"/>
+              <a:t>Used only defensive players in the draft combine</a:t>
+            </a:r>
+          </a:p>
+          <a:p>
+            <a:r>
+              <a:rPr lang="en-US" dirty="0"/>
+              <a:t>Dropped columns that had offensive stats</a:t>
+            </a:r>
+          </a:p>
+          <a:p>
+            <a:r>
+              <a:rPr lang="en-US" dirty="0"/>
+              <a:t>Filtered out all Offensive and Special Teams Players</a:t>
+            </a:r>
+          </a:p>
+          <a:p>
+            <a:r>
+              <a:rPr lang="en-US" dirty="0"/>
+              <a:t>Filled in blanks with the mean of each combine test</a:t>
+            </a:r>
+          </a:p>
+        </p:txBody>
+      </p:sp>
+    </p:spTree>
+    <p:extLst>
+      <p:ext uri="{BB962C8B-B14F-4D97-AF65-F5344CB8AC3E}">
+        <p14:creationId xmlns:p14="http://schemas.microsoft.com/office/powerpoint/2010/main" val="2102282544"/>
+      </p:ext>
+    </p:extLst>
+  </p:cSld>
+  <p:clrMapOvr>
+    <a:masterClrMapping/>
+  </p:clrMapOvr>
+</p:sld>
+</file>
+
+<file path=ppt/slides/slide5.xml><?xml version="1.0" encoding="utf-8"?>
+<p:sld xmlns:a="http://schemas.openxmlformats.org/drawingml/2006/main" xmlns:r="http://schemas.openxmlformats.org/officeDocument/2006/relationships" xmlns:p="http://schemas.openxmlformats.org/presentationml/2006/main">
+  <p:cSld>
+    <p:spTree>
+      <p:nvGrpSpPr>
+        <p:cNvPr id="1" name=""/>
+        <p:cNvGrpSpPr/>
+        <p:nvPr/>
+      </p:nvGrpSpPr>
+      <p:grpSpPr>
+        <a:xfrm>
+          <a:off x="0" y="0"/>
+          <a:ext cx="0" cy="0"/>
+          <a:chOff x="0" y="0"/>
+          <a:chExt cx="0" cy="0"/>
+        </a:xfrm>
+      </p:grpSpPr>
+      <p:sp>
+        <p:nvSpPr>
+          <p:cNvPr id="2" name="Title 1">
+            <a:extLst>
+              <a:ext uri="{FF2B5EF4-FFF2-40B4-BE49-F238E27FC236}">
                 <a16:creationId xmlns:a16="http://schemas.microsoft.com/office/drawing/2014/main" id="{CADCF57E-7CE2-4FA6-B622-80C11888E48A}"/>
               </a:ext>
             </a:extLst>
@@ -3959,25 +4222,25 @@
           <a:p>
             <a:r>
               <a:rPr lang="en-US" dirty="0"/>
-              <a:t>I wanted to see how undrafted player combine tests compared to the drafted players tests</a:t>
-            </a:r>
-          </a:p>
-          <a:p>
-            <a:r>
-              <a:rPr lang="en-US" dirty="0"/>
-              <a:t>Undrafted players seemed to have quiet similar scores </a:t>
-            </a:r>
-          </a:p>
-          <a:p>
-            <a:r>
-              <a:rPr lang="en-US" dirty="0"/>
-              <a:t>Except in 40-yard dash and Broad Jump you could see some difference between the two</a:t>
-            </a:r>
-          </a:p>
-          <a:p>
-            <a:r>
-              <a:rPr lang="en-US" dirty="0"/>
-              <a:t>This made sense to me since being faster and more explosive is very beneficial for a player</a:t>
+              <a:t>Explored undrafted player combine tests compared to the drafted players tests</a:t>
+            </a:r>
+          </a:p>
+          <a:p>
+            <a:r>
+              <a:rPr lang="en-US" dirty="0"/>
+              <a:t>Undrafted player had quiet similar scores </a:t>
+            </a:r>
+          </a:p>
+          <a:p>
+            <a:r>
+              <a:rPr lang="en-US" dirty="0"/>
+              <a:t>40-yard dash and Broad Jump had some difference</a:t>
+            </a:r>
+          </a:p>
+          <a:p>
+            <a:r>
+              <a:rPr lang="en-US" dirty="0"/>
+              <a:t>This made sense, since being faster and more explosive is very beneficial for a player</a:t>
             </a:r>
           </a:p>
         </p:txBody>
@@ -3995,7 +4258,7 @@
 </p:sld>
 </file>
 
-<file path=ppt/slides/slide5.xml><?xml version="1.0" encoding="utf-8"?>
+<file path=ppt/slides/slide6.xml><?xml version="1.0" encoding="utf-8"?>
 <p:sld xmlns:a="http://schemas.openxmlformats.org/drawingml/2006/main" xmlns:r="http://schemas.openxmlformats.org/officeDocument/2006/relationships" xmlns:p="http://schemas.openxmlformats.org/presentationml/2006/main">
   <p:cSld>
     <p:spTree>
@@ -4232,7 +4495,7 @@
 </p:sld>
 </file>
 
-<file path=ppt/slides/slide6.xml><?xml version="1.0" encoding="utf-8"?>
+<file path=ppt/slides/slide7.xml><?xml version="1.0" encoding="utf-8"?>
 <p:sld xmlns:a="http://schemas.openxmlformats.org/drawingml/2006/main" xmlns:r="http://schemas.openxmlformats.org/officeDocument/2006/relationships" xmlns:p="http://schemas.openxmlformats.org/presentationml/2006/main">
   <p:cSld>
     <p:spTree>
@@ -4301,7 +4564,7 @@
         </p:spPr>
         <p:txBody>
           <a:bodyPr>
-            <a:normAutofit lnSpcReduction="10000"/>
+            <a:normAutofit fontScale="92500" lnSpcReduction="20000"/>
           </a:bodyPr>
           <a:lstStyle/>
           <a:p>
@@ -4313,7 +4576,13 @@
           <a:p>
             <a:r>
               <a:rPr lang="en-US" dirty="0"/>
-              <a:t>I tried many different models some underfit and some overfit. I was not satisfied with my findings </a:t>
+              <a:t>Trained many different models some underfit and some overfit</a:t>
+            </a:r>
+          </a:p>
+          <a:p>
+            <a:r>
+              <a:rPr lang="en-US" dirty="0"/>
+              <a:t>I was not satisfied with my findings </a:t>
             </a:r>
           </a:p>
           <a:p>
@@ -4615,7 +4884,7 @@
 </p:sld>
 </file>
 
-<file path=ppt/slides/slide7.xml><?xml version="1.0" encoding="utf-8"?>
+<file path=ppt/slides/slide8.xml><?xml version="1.0" encoding="utf-8"?>
 <p:sld xmlns:a="http://schemas.openxmlformats.org/drawingml/2006/main" xmlns:r="http://schemas.openxmlformats.org/officeDocument/2006/relationships" xmlns:p="http://schemas.openxmlformats.org/presentationml/2006/main">
   <p:cSld>
     <p:spTree>
@@ -4736,7 +5005,7 @@
 </p:sld>
 </file>
 
-<file path=ppt/slides/slide8.xml><?xml version="1.0" encoding="utf-8"?>
+<file path=ppt/slides/slide9.xml><?xml version="1.0" encoding="utf-8"?>
 <p:sld xmlns:a="http://schemas.openxmlformats.org/drawingml/2006/main" xmlns:r="http://schemas.openxmlformats.org/officeDocument/2006/relationships" xmlns:p="http://schemas.openxmlformats.org/presentationml/2006/main">
   <p:cSld>
     <p:spTree>
@@ -5114,176 +5383,6 @@
 </p:sld>
 </file>
 
-<file path=ppt/slides/slide9.xml><?xml version="1.0" encoding="utf-8"?>
-<p:sld xmlns:a="http://schemas.openxmlformats.org/drawingml/2006/main" xmlns:r="http://schemas.openxmlformats.org/officeDocument/2006/relationships" xmlns:p="http://schemas.openxmlformats.org/presentationml/2006/main">
-  <p:cSld>
-    <p:spTree>
-      <p:nvGrpSpPr>
-        <p:cNvPr id="1" name=""/>
-        <p:cNvGrpSpPr/>
-        <p:nvPr/>
-      </p:nvGrpSpPr>
-      <p:grpSpPr>
-        <a:xfrm>
-          <a:off x="0" y="0"/>
-          <a:ext cx="0" cy="0"/>
-          <a:chOff x="0" y="0"/>
-          <a:chExt cx="0" cy="0"/>
-        </a:xfrm>
-      </p:grpSpPr>
-      <p:sp>
-        <p:nvSpPr>
-          <p:cNvPr id="2" name="Title 1">
-            <a:extLst>
-              <a:ext uri="{FF2B5EF4-FFF2-40B4-BE49-F238E27FC236}">
-                <a16:creationId xmlns:a16="http://schemas.microsoft.com/office/drawing/2014/main" id="{55D87428-E29B-450C-BDC5-5173C7DB2934}"/>
-              </a:ext>
-            </a:extLst>
-          </p:cNvPr>
-          <p:cNvSpPr>
-            <a:spLocks noGrp="1"/>
-          </p:cNvSpPr>
-          <p:nvPr>
-            <p:ph type="title"/>
-          </p:nvPr>
-        </p:nvSpPr>
-        <p:spPr/>
-        <p:txBody>
-          <a:bodyPr/>
-          <a:lstStyle/>
-          <a:p>
-            <a:r>
-              <a:rPr lang="en-US" dirty="0"/>
-              <a:t>Model Selection Getting Drafted </a:t>
-            </a:r>
-          </a:p>
-        </p:txBody>
-      </p:sp>
-      <p:sp>
-        <p:nvSpPr>
-          <p:cNvPr id="3" name="Content Placeholder 2">
-            <a:extLst>
-              <a:ext uri="{FF2B5EF4-FFF2-40B4-BE49-F238E27FC236}">
-                <a16:creationId xmlns:a16="http://schemas.microsoft.com/office/drawing/2014/main" id="{3104AFD6-12CE-4F81-B5A9-CE75DDADDF12}"/>
-              </a:ext>
-            </a:extLst>
-          </p:cNvPr>
-          <p:cNvSpPr>
-            <a:spLocks noGrp="1"/>
-          </p:cNvSpPr>
-          <p:nvPr>
-            <p:ph idx="1"/>
-          </p:nvPr>
-        </p:nvSpPr>
-        <p:spPr>
-          <a:xfrm>
-            <a:off x="838200" y="1928495"/>
-            <a:ext cx="10515600" cy="4089400"/>
-          </a:xfrm>
-        </p:spPr>
-        <p:txBody>
-          <a:bodyPr>
-            <a:normAutofit fontScale="92500" lnSpcReduction="10000"/>
-          </a:bodyPr>
-          <a:lstStyle/>
-          <a:p>
-            <a:r>
-              <a:rPr lang="en-US" dirty="0"/>
-              <a:t>The best model to use was Gradient Boosting which produced a score of 0.71.</a:t>
-            </a:r>
-          </a:p>
-          <a:p>
-            <a:r>
-              <a:rPr lang="en-US" dirty="0"/>
-              <a:t>Feature Importance in order:</a:t>
-            </a:r>
-          </a:p>
-          <a:p>
-            <a:pPr lvl="1"/>
-            <a:r>
-              <a:rPr lang="en-US" dirty="0"/>
-              <a:t>Three Cone Drill</a:t>
-            </a:r>
-          </a:p>
-          <a:p>
-            <a:pPr lvl="1"/>
-            <a:r>
-              <a:rPr lang="en-US" dirty="0"/>
-              <a:t>Shuttle Run</a:t>
-            </a:r>
-          </a:p>
-          <a:p>
-            <a:pPr lvl="1"/>
-            <a:r>
-              <a:rPr lang="en-US" dirty="0"/>
-              <a:t>Broad Jump</a:t>
-            </a:r>
-          </a:p>
-          <a:p>
-            <a:pPr lvl="1"/>
-            <a:r>
-              <a:rPr lang="en-US" dirty="0"/>
-              <a:t>Vertical Leap</a:t>
-            </a:r>
-          </a:p>
-          <a:p>
-            <a:pPr lvl="1"/>
-            <a:r>
-              <a:rPr lang="en-US" dirty="0"/>
-              <a:t>Bench Press</a:t>
-            </a:r>
-          </a:p>
-          <a:p>
-            <a:pPr lvl="1"/>
-            <a:r>
-              <a:rPr lang="en-US" dirty="0"/>
-              <a:t>40-yard dash</a:t>
-            </a:r>
-          </a:p>
-          <a:p>
-            <a:pPr lvl="1"/>
-            <a:r>
-              <a:rPr lang="en-US" dirty="0"/>
-              <a:t>Weight </a:t>
-            </a:r>
-          </a:p>
-          <a:p>
-            <a:pPr lvl="1"/>
-            <a:r>
-              <a:rPr lang="en-US" dirty="0"/>
-              <a:t>Height</a:t>
-            </a:r>
-          </a:p>
-          <a:p>
-            <a:pPr lvl="1"/>
-            <a:endParaRPr lang="en-US" dirty="0"/>
-          </a:p>
-          <a:p>
-            <a:pPr lvl="1"/>
-            <a:endParaRPr lang="en-US" dirty="0"/>
-          </a:p>
-          <a:p>
-            <a:pPr lvl="1"/>
-            <a:endParaRPr lang="en-US" dirty="0"/>
-          </a:p>
-          <a:p>
-            <a:endParaRPr lang="en-US" dirty="0"/>
-          </a:p>
-        </p:txBody>
-      </p:sp>
-    </p:spTree>
-    <p:extLst>
-      <p:ext uri="{BB962C8B-B14F-4D97-AF65-F5344CB8AC3E}">
-        <p14:creationId xmlns:p14="http://schemas.microsoft.com/office/powerpoint/2010/main" val="2847954629"/>
-      </p:ext>
-    </p:extLst>
-  </p:cSld>
-  <p:clrMapOvr>
-    <a:masterClrMapping/>
-  </p:clrMapOvr>
-</p:sld>
-</file>
-
 <file path=ppt/theme/theme1.xml><?xml version="1.0" encoding="utf-8"?>
 <a:theme xmlns:a="http://schemas.openxmlformats.org/drawingml/2006/main" name="Office Theme">
   <a:themeElements>

--- a/Reports/Final_Report_Presentation.pptx
+++ b/Reports/Final_Report_Presentation.pptx
@@ -4582,7 +4582,7 @@
           <a:p>
             <a:r>
               <a:rPr lang="en-US" dirty="0"/>
-              <a:t>I was not satisfied with my findings </a:t>
+              <a:t>The findings were inconclusive  </a:t>
             </a:r>
           </a:p>
           <a:p>
